--- a/2016-2017/Presentations/CrashCourse_2016.pptx
+++ b/2016-2017/Presentations/CrashCourse_2016.pptx
@@ -269,7 +269,7 @@
               <a:pPr>
                 <a:defRPr/>
               </a:pPr>
-              <a:t>10/10/2016</a:t>
+              <a:t>12/10/2016</a:t>
             </a:fld>
             <a:endParaRPr lang="en-GB"/>
           </a:p>
@@ -1822,7 +1822,7 @@
             <a:fld id="{C4DDCD72-59EE-436D-B435-201699A5BB49}" type="datetimeFigureOut">
               <a:rPr lang="nl-BE" smtClean="0"/>
               <a:pPr/>
-              <a:t>10/10/2016</a:t>
+              <a:t>12/10/2016</a:t>
             </a:fld>
             <a:endParaRPr lang="nl-BE" dirty="0"/>
           </a:p>
@@ -2511,7 +2511,7 @@
             <a:fld id="{C4DDCD72-59EE-436D-B435-201699A5BB49}" type="datetimeFigureOut">
               <a:rPr lang="nl-BE" smtClean="0"/>
               <a:pPr/>
-              <a:t>10/10/2016</a:t>
+              <a:t>12/10/2016</a:t>
             </a:fld>
             <a:endParaRPr lang="nl-BE"/>
           </a:p>
@@ -2950,7 +2950,7 @@
             <a:fld id="{C4DDCD72-59EE-436D-B435-201699A5BB49}" type="datetimeFigureOut">
               <a:rPr lang="nl-BE" smtClean="0"/>
               <a:pPr/>
-              <a:t>10/10/2016</a:t>
+              <a:t>12/10/2016</a:t>
             </a:fld>
             <a:endParaRPr lang="nl-BE"/>
           </a:p>
@@ -3081,7 +3081,7 @@
             <a:fld id="{C4DDCD72-59EE-436D-B435-201699A5BB49}" type="datetimeFigureOut">
               <a:rPr lang="nl-BE" smtClean="0"/>
               <a:pPr/>
-              <a:t>10/10/2016</a:t>
+              <a:t>12/10/2016</a:t>
             </a:fld>
             <a:endParaRPr lang="nl-BE"/>
           </a:p>
@@ -3185,7 +3185,7 @@
             <a:fld id="{C4DDCD72-59EE-436D-B435-201699A5BB49}" type="datetimeFigureOut">
               <a:rPr lang="nl-BE" smtClean="0"/>
               <a:pPr/>
-              <a:t>10/10/2016</a:t>
+              <a:t>12/10/2016</a:t>
             </a:fld>
             <a:endParaRPr lang="nl-BE"/>
           </a:p>
@@ -3478,7 +3478,7 @@
             <a:fld id="{C4DDCD72-59EE-436D-B435-201699A5BB49}" type="datetimeFigureOut">
               <a:rPr lang="nl-BE" smtClean="0"/>
               <a:pPr/>
-              <a:t>10/10/2016</a:t>
+              <a:t>12/10/2016</a:t>
             </a:fld>
             <a:endParaRPr lang="nl-BE"/>
           </a:p>
@@ -3609,7 +3609,7 @@
             <a:fld id="{C4DDCD72-59EE-436D-B435-201699A5BB49}" type="datetimeFigureOut">
               <a:rPr lang="nl-BE" smtClean="0"/>
               <a:pPr/>
-              <a:t>10/10/2016</a:t>
+              <a:t>12/10/2016</a:t>
             </a:fld>
             <a:endParaRPr lang="nl-BE" dirty="0"/>
           </a:p>
@@ -4008,7 +4008,7 @@
             <a:fld id="{C4DDCD72-59EE-436D-B435-201699A5BB49}" type="datetimeFigureOut">
               <a:rPr lang="nl-BE" smtClean="0"/>
               <a:pPr/>
-              <a:t>10/10/2016</a:t>
+              <a:t>12/10/2016</a:t>
             </a:fld>
             <a:endParaRPr lang="nl-BE" dirty="0"/>
           </a:p>
@@ -4571,7 +4571,7 @@
             <a:fld id="{C4DDCD72-59EE-436D-B435-201699A5BB49}" type="datetimeFigureOut">
               <a:rPr lang="nl-BE" smtClean="0"/>
               <a:pPr/>
-              <a:t>10/10/2016</a:t>
+              <a:t>12/10/2016</a:t>
             </a:fld>
             <a:endParaRPr lang="nl-BE"/>
           </a:p>
@@ -5010,7 +5010,7 @@
             <a:fld id="{C4DDCD72-59EE-436D-B435-201699A5BB49}" type="datetimeFigureOut">
               <a:rPr lang="nl-BE" smtClean="0"/>
               <a:pPr/>
-              <a:t>10/10/2016</a:t>
+              <a:t>12/10/2016</a:t>
             </a:fld>
             <a:endParaRPr lang="nl-BE"/>
           </a:p>
@@ -5141,7 +5141,7 @@
             <a:fld id="{C4DDCD72-59EE-436D-B435-201699A5BB49}" type="datetimeFigureOut">
               <a:rPr lang="nl-BE" smtClean="0"/>
               <a:pPr/>
-              <a:t>10/10/2016</a:t>
+              <a:t>12/10/2016</a:t>
             </a:fld>
             <a:endParaRPr lang="nl-BE"/>
           </a:p>
@@ -5245,7 +5245,7 @@
             <a:fld id="{C4DDCD72-59EE-436D-B435-201699A5BB49}" type="datetimeFigureOut">
               <a:rPr lang="nl-BE" smtClean="0"/>
               <a:pPr/>
-              <a:t>10/10/2016</a:t>
+              <a:t>12/10/2016</a:t>
             </a:fld>
             <a:endParaRPr lang="nl-BE"/>
           </a:p>
@@ -5534,7 +5534,7 @@
             <a:fld id="{C4DDCD72-59EE-436D-B435-201699A5BB49}" type="datetimeFigureOut">
               <a:rPr lang="nl-BE" smtClean="0"/>
               <a:pPr/>
-              <a:t>10/10/2016</a:t>
+              <a:t>12/10/2016</a:t>
             </a:fld>
             <a:endParaRPr lang="nl-BE"/>
           </a:p>
@@ -5807,7 +5807,7 @@
             <a:fld id="{C4DDCD72-59EE-436D-B435-201699A5BB49}" type="datetimeFigureOut">
               <a:rPr lang="nl-BE" smtClean="0"/>
               <a:pPr/>
-              <a:t>10/10/2016</a:t>
+              <a:t>12/10/2016</a:t>
             </a:fld>
             <a:endParaRPr lang="nl-BE" dirty="0"/>
           </a:p>
@@ -6034,7 +6034,7 @@
             <a:fld id="{C4DDCD72-59EE-436D-B435-201699A5BB49}" type="datetimeFigureOut">
               <a:rPr lang="nl-BE" smtClean="0"/>
               <a:pPr/>
-              <a:t>10/10/2016</a:t>
+              <a:t>12/10/2016</a:t>
             </a:fld>
             <a:endParaRPr lang="nl-BE" dirty="0"/>
           </a:p>
@@ -6662,7 +6662,7 @@
             <a:fld id="{C4DDCD72-59EE-436D-B435-201699A5BB49}" type="datetimeFigureOut">
               <a:rPr lang="nl-BE" smtClean="0"/>
               <a:pPr/>
-              <a:t>10/10/2016</a:t>
+              <a:t>12/10/2016</a:t>
             </a:fld>
             <a:endParaRPr lang="nl-BE" dirty="0"/>
           </a:p>
@@ -8215,7 +8215,11 @@
             <a:pPr lvl="1"/>
             <a:r>
               <a:rPr lang="en-GB" dirty="0" smtClean="0"/>
-              <a:t>and, or, not</a:t>
+              <a:t>and, or, </a:t>
+            </a:r>
+            <a:r>
+              <a:rPr lang="en-GB" dirty="0" smtClean="0"/>
+              <a:t>not</a:t>
             </a:r>
           </a:p>
           <a:p>
@@ -8223,6 +8227,7 @@
               <a:rPr lang="en-GB" dirty="0" smtClean="0"/>
               <a:t>Conditional</a:t>
             </a:r>
+            <a:endParaRPr lang="en-GB" dirty="0" smtClean="0"/>
           </a:p>
           <a:p>
             <a:pPr lvl="1"/>
@@ -8253,8 +8258,22 @@
             <a:pPr lvl="1"/>
             <a:r>
               <a:rPr lang="en-GB" dirty="0" smtClean="0"/>
-              <a:t>for</a:t>
-            </a:r>
+              <a:t>For</a:t>
+            </a:r>
+          </a:p>
+          <a:p>
+            <a:r>
+              <a:rPr lang="en-GB" dirty="0" smtClean="0"/>
+              <a:t>Comparing numbers</a:t>
+            </a:r>
+          </a:p>
+          <a:p>
+            <a:pPr lvl="1"/>
+            <a:r>
+              <a:rPr lang="en-GB" dirty="0" smtClean="0"/>
+              <a:t>&gt;, &lt;, &lt;&gt;, &gt;=,…</a:t>
+            </a:r>
+            <a:endParaRPr lang="en-GB" dirty="0" smtClean="0"/>
           </a:p>
         </p:txBody>
       </p:sp>
@@ -13647,8 +13666,8 @@
           </a:p>
         </p:txBody>
       </p:sp>
-      <mc:AlternateContent xmlns:mc="http://schemas.openxmlformats.org/markup-compatibility/2006" xmlns:a14="http://schemas.microsoft.com/office/drawing/2010/main">
-        <mc:Choice Requires="a14">
+      <mc:AlternateContent xmlns:mc="http://schemas.openxmlformats.org/markup-compatibility/2006">
+        <mc:Choice xmlns:a14="http://schemas.microsoft.com/office/drawing/2010/main" Requires="a14">
           <p:sp>
             <p:nvSpPr>
               <p:cNvPr id="3" name="Content Placeholder 2"/>
@@ -13666,11 +13685,23 @@
               <a:p>
                 <a:r>
                   <a:rPr lang="en-GB" b="1" dirty="0" smtClean="0"/>
-                  <a:t>Compiles</a:t>
+                  <a:t>Compiles </a:t>
+                </a:r>
+                <a:r>
+                  <a:rPr lang="en-GB" smtClean="0"/>
+                  <a:t>and </a:t>
+                </a:r>
+                <a:r>
+                  <a:rPr lang="en-GB" b="1" smtClean="0"/>
+                  <a:t>integrates</a:t>
+                </a:r>
+                <a:r>
+                  <a:rPr lang="en-GB" smtClean="0"/>
+                  <a:t> </a:t>
                 </a:r>
                 <a:r>
                   <a:rPr lang="en-GB" dirty="0" smtClean="0"/>
-                  <a:t> equations</a:t>
+                  <a:t>equations</a:t>
                 </a:r>
               </a:p>
               <a:p>
@@ -14011,7 +14042,7 @@
             </p:txBody>
           </p:sp>
         </mc:Choice>
-        <mc:Fallback xmlns="">
+        <mc:Fallback>
           <p:sp>
             <p:nvSpPr>
               <p:cNvPr id="3" name="Content Placeholder 2"/>

--- a/2016-2017/Presentations/CrashCourse_2016.pptx
+++ b/2016-2017/Presentations/CrashCourse_2016.pptx
@@ -269,7 +269,7 @@
               <a:pPr>
                 <a:defRPr/>
               </a:pPr>
-              <a:t>12/10/2016</a:t>
+              <a:t>13/10/2016</a:t>
             </a:fld>
             <a:endParaRPr lang="en-GB"/>
           </a:p>
@@ -1822,7 +1822,7 @@
             <a:fld id="{C4DDCD72-59EE-436D-B435-201699A5BB49}" type="datetimeFigureOut">
               <a:rPr lang="nl-BE" smtClean="0"/>
               <a:pPr/>
-              <a:t>12/10/2016</a:t>
+              <a:t>13/10/2016</a:t>
             </a:fld>
             <a:endParaRPr lang="nl-BE" dirty="0"/>
           </a:p>
@@ -2511,7 +2511,7 @@
             <a:fld id="{C4DDCD72-59EE-436D-B435-201699A5BB49}" type="datetimeFigureOut">
               <a:rPr lang="nl-BE" smtClean="0"/>
               <a:pPr/>
-              <a:t>12/10/2016</a:t>
+              <a:t>13/10/2016</a:t>
             </a:fld>
             <a:endParaRPr lang="nl-BE"/>
           </a:p>
@@ -2950,7 +2950,7 @@
             <a:fld id="{C4DDCD72-59EE-436D-B435-201699A5BB49}" type="datetimeFigureOut">
               <a:rPr lang="nl-BE" smtClean="0"/>
               <a:pPr/>
-              <a:t>12/10/2016</a:t>
+              <a:t>13/10/2016</a:t>
             </a:fld>
             <a:endParaRPr lang="nl-BE"/>
           </a:p>
@@ -3081,7 +3081,7 @@
             <a:fld id="{C4DDCD72-59EE-436D-B435-201699A5BB49}" type="datetimeFigureOut">
               <a:rPr lang="nl-BE" smtClean="0"/>
               <a:pPr/>
-              <a:t>12/10/2016</a:t>
+              <a:t>13/10/2016</a:t>
             </a:fld>
             <a:endParaRPr lang="nl-BE"/>
           </a:p>
@@ -3185,7 +3185,7 @@
             <a:fld id="{C4DDCD72-59EE-436D-B435-201699A5BB49}" type="datetimeFigureOut">
               <a:rPr lang="nl-BE" smtClean="0"/>
               <a:pPr/>
-              <a:t>12/10/2016</a:t>
+              <a:t>13/10/2016</a:t>
             </a:fld>
             <a:endParaRPr lang="nl-BE"/>
           </a:p>
@@ -3478,7 +3478,7 @@
             <a:fld id="{C4DDCD72-59EE-436D-B435-201699A5BB49}" type="datetimeFigureOut">
               <a:rPr lang="nl-BE" smtClean="0"/>
               <a:pPr/>
-              <a:t>12/10/2016</a:t>
+              <a:t>13/10/2016</a:t>
             </a:fld>
             <a:endParaRPr lang="nl-BE"/>
           </a:p>
@@ -3609,7 +3609,7 @@
             <a:fld id="{C4DDCD72-59EE-436D-B435-201699A5BB49}" type="datetimeFigureOut">
               <a:rPr lang="nl-BE" smtClean="0"/>
               <a:pPr/>
-              <a:t>12/10/2016</a:t>
+              <a:t>13/10/2016</a:t>
             </a:fld>
             <a:endParaRPr lang="nl-BE" dirty="0"/>
           </a:p>
@@ -4008,7 +4008,7 @@
             <a:fld id="{C4DDCD72-59EE-436D-B435-201699A5BB49}" type="datetimeFigureOut">
               <a:rPr lang="nl-BE" smtClean="0"/>
               <a:pPr/>
-              <a:t>12/10/2016</a:t>
+              <a:t>13/10/2016</a:t>
             </a:fld>
             <a:endParaRPr lang="nl-BE" dirty="0"/>
           </a:p>
@@ -4571,7 +4571,7 @@
             <a:fld id="{C4DDCD72-59EE-436D-B435-201699A5BB49}" type="datetimeFigureOut">
               <a:rPr lang="nl-BE" smtClean="0"/>
               <a:pPr/>
-              <a:t>12/10/2016</a:t>
+              <a:t>13/10/2016</a:t>
             </a:fld>
             <a:endParaRPr lang="nl-BE"/>
           </a:p>
@@ -5010,7 +5010,7 @@
             <a:fld id="{C4DDCD72-59EE-436D-B435-201699A5BB49}" type="datetimeFigureOut">
               <a:rPr lang="nl-BE" smtClean="0"/>
               <a:pPr/>
-              <a:t>12/10/2016</a:t>
+              <a:t>13/10/2016</a:t>
             </a:fld>
             <a:endParaRPr lang="nl-BE"/>
           </a:p>
@@ -5141,7 +5141,7 @@
             <a:fld id="{C4DDCD72-59EE-436D-B435-201699A5BB49}" type="datetimeFigureOut">
               <a:rPr lang="nl-BE" smtClean="0"/>
               <a:pPr/>
-              <a:t>12/10/2016</a:t>
+              <a:t>13/10/2016</a:t>
             </a:fld>
             <a:endParaRPr lang="nl-BE"/>
           </a:p>
@@ -5245,7 +5245,7 @@
             <a:fld id="{C4DDCD72-59EE-436D-B435-201699A5BB49}" type="datetimeFigureOut">
               <a:rPr lang="nl-BE" smtClean="0"/>
               <a:pPr/>
-              <a:t>12/10/2016</a:t>
+              <a:t>13/10/2016</a:t>
             </a:fld>
             <a:endParaRPr lang="nl-BE"/>
           </a:p>
@@ -5534,7 +5534,7 @@
             <a:fld id="{C4DDCD72-59EE-436D-B435-201699A5BB49}" type="datetimeFigureOut">
               <a:rPr lang="nl-BE" smtClean="0"/>
               <a:pPr/>
-              <a:t>12/10/2016</a:t>
+              <a:t>13/10/2016</a:t>
             </a:fld>
             <a:endParaRPr lang="nl-BE"/>
           </a:p>
@@ -5807,7 +5807,7 @@
             <a:fld id="{C4DDCD72-59EE-436D-B435-201699A5BB49}" type="datetimeFigureOut">
               <a:rPr lang="nl-BE" smtClean="0"/>
               <a:pPr/>
-              <a:t>12/10/2016</a:t>
+              <a:t>13/10/2016</a:t>
             </a:fld>
             <a:endParaRPr lang="nl-BE" dirty="0"/>
           </a:p>
@@ -6034,7 +6034,7 @@
             <a:fld id="{C4DDCD72-59EE-436D-B435-201699A5BB49}" type="datetimeFigureOut">
               <a:rPr lang="nl-BE" smtClean="0"/>
               <a:pPr/>
-              <a:t>12/10/2016</a:t>
+              <a:t>13/10/2016</a:t>
             </a:fld>
             <a:endParaRPr lang="nl-BE" dirty="0"/>
           </a:p>
@@ -6662,7 +6662,7 @@
             <a:fld id="{C4DDCD72-59EE-436D-B435-201699A5BB49}" type="datetimeFigureOut">
               <a:rPr lang="nl-BE" smtClean="0"/>
               <a:pPr/>
-              <a:t>12/10/2016</a:t>
+              <a:t>13/10/2016</a:t>
             </a:fld>
             <a:endParaRPr lang="nl-BE" dirty="0"/>
           </a:p>
@@ -8215,11 +8215,7 @@
             <a:pPr lvl="1"/>
             <a:r>
               <a:rPr lang="en-GB" dirty="0" smtClean="0"/>
-              <a:t>and, or, </a:t>
-            </a:r>
-            <a:r>
-              <a:rPr lang="en-GB" dirty="0" smtClean="0"/>
-              <a:t>not</a:t>
+              <a:t>and, or, not</a:t>
             </a:r>
           </a:p>
           <a:p>
@@ -8227,7 +8223,6 @@
               <a:rPr lang="en-GB" dirty="0" smtClean="0"/>
               <a:t>Conditional</a:t>
             </a:r>
-            <a:endParaRPr lang="en-GB" dirty="0" smtClean="0"/>
           </a:p>
           <a:p>
             <a:pPr lvl="1"/>
@@ -8273,7 +8268,6 @@
               <a:rPr lang="en-GB" dirty="0" smtClean="0"/>
               <a:t>&gt;, &lt;, &lt;&gt;, &gt;=,…</a:t>
             </a:r>
-            <a:endParaRPr lang="en-GB" dirty="0" smtClean="0"/>
           </a:p>
         </p:txBody>
       </p:sp>
@@ -9120,13 +9114,71 @@
           </a:p>
           <a:p>
             <a:r>
-              <a:rPr lang="nl-NL" smtClean="0">
+              <a:rPr lang="nl-NL" dirty="0" err="1" smtClean="0">
                 <a:solidFill>
                   <a:srgbClr val="FF0000"/>
                 </a:solidFill>
                 <a:latin typeface="+mj-lt"/>
               </a:rPr>
               <a:t>Balanced</a:t>
+            </a:r>
+            <a:endParaRPr lang="nl-BE" dirty="0">
+              <a:solidFill>
+                <a:srgbClr val="FF0000"/>
+              </a:solidFill>
+              <a:latin typeface="+mj-lt"/>
+            </a:endParaRPr>
+          </a:p>
+        </p:txBody>
+      </p:sp>
+      <p:sp>
+        <p:nvSpPr>
+          <p:cNvPr id="16" name="TextBox 15"/>
+          <p:cNvSpPr txBox="1"/>
+          <p:nvPr/>
+        </p:nvSpPr>
+        <p:spPr>
+          <a:xfrm>
+            <a:off x="6160120" y="4819613"/>
+            <a:ext cx="3744416" cy="461665"/>
+          </a:xfrm>
+          <a:prstGeom prst="rect">
+            <a:avLst/>
+          </a:prstGeom>
+          <a:noFill/>
+        </p:spPr>
+        <p:txBody>
+          <a:bodyPr wrap="square" rtlCol="0">
+            <a:spAutoFit/>
+          </a:bodyPr>
+          <a:lstStyle/>
+          <a:p>
+            <a:r>
+              <a:rPr lang="nl-NL" dirty="0" smtClean="0">
+                <a:solidFill>
+                  <a:srgbClr val="FF0000"/>
+                </a:solidFill>
+                <a:latin typeface="+mj-lt"/>
+              </a:rPr>
+              <a:t>Close line </a:t>
+            </a:r>
+            <a:r>
+              <a:rPr lang="nl-NL" dirty="0" err="1" smtClean="0">
+                <a:solidFill>
+                  <a:srgbClr val="FF0000"/>
+                </a:solidFill>
+                <a:latin typeface="+mj-lt"/>
+              </a:rPr>
+              <a:t>with</a:t>
+            </a:r>
+            <a:r>
+              <a:rPr lang="nl-NL" dirty="0" smtClean="0">
+                <a:solidFill>
+                  <a:srgbClr val="FF0000"/>
+                </a:solidFill>
+                <a:latin typeface="+mj-lt"/>
+              </a:rPr>
+              <a:t> ;</a:t>
             </a:r>
             <a:endParaRPr lang="nl-BE" dirty="0">
               <a:solidFill>
@@ -10799,8 +10851,19 @@
                 <a:latin typeface="Monaco"/>
                 <a:cs typeface="Monaco"/>
               </a:rPr>
-              <a:t>(res = 200, A = 10)</a:t>
-            </a:r>
+              <a:t>(res = 200, A = 10</a:t>
+            </a:r>
+            <a:r>
+              <a:rPr lang="en-GB" dirty="0" smtClean="0">
+                <a:latin typeface="Monaco"/>
+                <a:cs typeface="Monaco"/>
+              </a:rPr>
+              <a:t>);</a:t>
+            </a:r>
+            <a:endParaRPr lang="en-GB" dirty="0" smtClean="0">
+              <a:latin typeface="Monaco"/>
+              <a:cs typeface="Monaco"/>
+            </a:endParaRPr>
           </a:p>
           <a:p>
             <a:r>
@@ -11182,12 +11245,12 @@
           </a:p>
           <a:p>
             <a:r>
-              <a:rPr lang="en-US" dirty="0" err="1" smtClean="0"/>
-              <a:t>Syntaxis</a:t>
-            </a:r>
-            <a:r>
               <a:rPr lang="en-US" dirty="0" smtClean="0"/>
-              <a:t>, language concepts and model structuring</a:t>
+              <a:t>Syntax, </a:t>
+            </a:r>
+            <a:r>
+              <a:rPr lang="en-US" dirty="0" smtClean="0"/>
+              <a:t>language concepts and model structuring</a:t>
             </a:r>
           </a:p>
           <a:p>
@@ -13666,8 +13729,8 @@
           </a:p>
         </p:txBody>
       </p:sp>
-      <mc:AlternateContent xmlns:mc="http://schemas.openxmlformats.org/markup-compatibility/2006">
-        <mc:Choice xmlns:a14="http://schemas.microsoft.com/office/drawing/2010/main" Requires="a14">
+      <mc:AlternateContent xmlns:mc="http://schemas.openxmlformats.org/markup-compatibility/2006" xmlns:a14="http://schemas.microsoft.com/office/drawing/2010/main">
+        <mc:Choice Requires="a14">
           <p:sp>
             <p:nvSpPr>
               <p:cNvPr id="3" name="Content Placeholder 2"/>
@@ -14042,7 +14105,7 @@
             </p:txBody>
           </p:sp>
         </mc:Choice>
-        <mc:Fallback>
+        <mc:Fallback xmlns="">
           <p:sp>
             <p:nvSpPr>
               <p:cNvPr id="3" name="Content Placeholder 2"/>
@@ -16695,6 +16758,13 @@
   <p:clrMapOvr>
     <a:masterClrMapping/>
   </p:clrMapOvr>
+  <p:timing>
+    <p:tnLst>
+      <p:par>
+        <p:cTn id="1" dur="indefinite" restart="never" nodeType="tmRoot"/>
+      </p:par>
+    </p:tnLst>
+  </p:timing>
 </p:sld>
 </file>
 
